--- a/Tugas Besar Data Mining.pptx
+++ b/Tugas Besar Data Mining.pptx
@@ -2769,7 +2769,7 @@
           <a:p>
             <a:fld id="{9E016143-E03C-4CFD-AFDC-14E5BDEA754C}" type="datetimeFigureOut">
               <a:rPr lang="en-US" dirty="0"/>
-              <a:t>1/18/2021</a:t>
+              <a:t>1/19/2021</a:t>
             </a:fld>
             <a:endParaRPr lang="en-US" dirty="0"/>
           </a:p>
@@ -3007,7 +3007,7 @@
           <a:p>
             <a:fld id="{C033E54A-A8CA-48C1-9504-691B58049D29}" type="datetimeFigureOut">
               <a:rPr lang="en-US" dirty="0"/>
-              <a:t>1/18/2021</a:t>
+              <a:t>1/19/2021</a:t>
             </a:fld>
             <a:endParaRPr lang="en-US" dirty="0"/>
           </a:p>
@@ -3197,7 +3197,7 @@
           <a:p>
             <a:fld id="{B5F6C806-BBF7-471C-9527-881CE2266695}" type="datetimeFigureOut">
               <a:rPr lang="en-US" dirty="0"/>
-              <a:t>1/18/2021</a:t>
+              <a:t>1/19/2021</a:t>
             </a:fld>
             <a:endParaRPr lang="en-US" dirty="0"/>
           </a:p>
@@ -5616,7 +5616,7 @@
           <a:p>
             <a:fld id="{78C94063-DF36-4330-A365-08DA1FA5B7D6}" type="datetimeFigureOut">
               <a:rPr lang="en-US" dirty="0"/>
-              <a:t>1/18/2021</a:t>
+              <a:t>1/19/2021</a:t>
             </a:fld>
             <a:endParaRPr lang="en-US" dirty="0"/>
           </a:p>
@@ -6030,7 +6030,7 @@
           <a:p>
             <a:fld id="{908A7C6C-0F39-4D70-8E8D-FE5B9C95FA73}" type="datetimeFigureOut">
               <a:rPr lang="en-US" dirty="0"/>
-              <a:t>1/18/2021</a:t>
+              <a:t>1/19/2021</a:t>
             </a:fld>
             <a:endParaRPr lang="en-US" dirty="0"/>
           </a:p>
@@ -6366,7 +6366,7 @@
           <a:p>
             <a:fld id="{DFCFA4AC-08CC-42CE-BD01-C191750A04EC}" type="datetimeFigureOut">
               <a:rPr lang="en-US" dirty="0"/>
-              <a:t>1/18/2021</a:t>
+              <a:t>1/19/2021</a:t>
             </a:fld>
             <a:endParaRPr lang="en-US" dirty="0"/>
           </a:p>
@@ -6827,7 +6827,7 @@
           <a:p>
             <a:fld id="{1BA7A723-92A7-435B-B681-F25B092FEFEB}" type="datetimeFigureOut">
               <a:rPr lang="en-US" dirty="0"/>
-              <a:t>1/18/2021</a:t>
+              <a:t>1/19/2021</a:t>
             </a:fld>
             <a:endParaRPr lang="en-US" dirty="0"/>
           </a:p>
@@ -6955,7 +6955,7 @@
           <a:p>
             <a:fld id="{4F170639-886C-4FCF-9EAB-ABB5DA3F3F4A}" type="datetimeFigureOut">
               <a:rPr lang="en-US" dirty="0"/>
-              <a:t>1/18/2021</a:t>
+              <a:t>1/19/2021</a:t>
             </a:fld>
             <a:endParaRPr lang="en-US" dirty="0"/>
           </a:p>
@@ -7060,7 +7060,7 @@
           <a:p>
             <a:fld id="{22230651-31F4-45D2-98AE-A2108F41BC07}" type="datetimeFigureOut">
               <a:rPr lang="en-US" dirty="0"/>
-              <a:t>1/18/2021</a:t>
+              <a:t>1/19/2021</a:t>
             </a:fld>
             <a:endParaRPr lang="en-US" dirty="0"/>
           </a:p>
@@ -7356,7 +7356,7 @@
           <a:p>
             <a:fld id="{6F53789A-C914-4DB1-8815-80B5EC7335C5}" type="datetimeFigureOut">
               <a:rPr lang="en-US" dirty="0"/>
-              <a:t>1/18/2021</a:t>
+              <a:t>1/19/2021</a:t>
             </a:fld>
             <a:endParaRPr lang="en-US" dirty="0"/>
           </a:p>
@@ -7688,7 +7688,7 @@
           <a:p>
             <a:fld id="{5E6440AA-91A0-436F-8FDB-C0F939DCAE21}" type="datetimeFigureOut">
               <a:rPr lang="en-US" dirty="0"/>
-              <a:t>1/18/2021</a:t>
+              <a:t>1/19/2021</a:t>
             </a:fld>
             <a:endParaRPr lang="en-US" dirty="0"/>
           </a:p>
@@ -7952,7 +7952,7 @@
           <a:p>
             <a:fld id="{0E59FD0C-5451-4CA0-86AF-E70AE3279989}" type="datetimeFigureOut">
               <a:rPr lang="en-US" dirty="0"/>
-              <a:t>1/18/2021</a:t>
+              <a:t>1/19/2021</a:t>
             </a:fld>
             <a:endParaRPr lang="en-US" dirty="0"/>
           </a:p>
@@ -11342,8 +11342,8 @@
         </p:nvSpPr>
         <p:spPr>
           <a:xfrm>
-            <a:off x="1216025" y="1552200"/>
-            <a:ext cx="6632576" cy="2304000"/>
+            <a:off x="838200" y="1552200"/>
+            <a:ext cx="7010401" cy="2304000"/>
           </a:xfrm>
           <a:prstGeom prst="rect">
             <a:avLst/>
@@ -11396,24 +11396,32 @@
                   <a:srgbClr val="FFFFFF"/>
                 </a:highlight>
               </a:rPr>
-              <a:t>Martin Simanjuntak</a:t>
+              <a:t>Martin Luter Simanjuntak</a:t>
             </a:r>
             <a:r>
               <a:rPr lang="en-US" sz="2600" dirty="0"/>
-              <a:t>  3311911020</a:t>
+              <a:t>  3311911014</a:t>
             </a:r>
           </a:p>
           <a:p>
             <a:pPr marL="0" lvl="0" indent="0">
               <a:buNone/>
             </a:pPr>
+            <a:r>
+              <a:rPr lang="en-US" sz="2800" dirty="0">
+                <a:highlight>
+                  <a:srgbClr val="FFFFFF"/>
+                </a:highlight>
+              </a:rPr>
+              <a:t>Yehuda Manuel </a:t>
+            </a:r>
             <a:r>
               <a:rPr lang="en-US" sz="2800" dirty="0" err="1">
                 <a:highlight>
                   <a:srgbClr val="FFFFFF"/>
                 </a:highlight>
               </a:rPr>
-              <a:t>Yudha</a:t>
+              <a:t>Lubis</a:t>
             </a:r>
             <a:r>
               <a:rPr lang="en-US" sz="2800" dirty="0">
@@ -11421,11 +11429,11 @@
                   <a:srgbClr val="FFFFFF"/>
                 </a:highlight>
               </a:rPr>
-              <a:t> Immanuel </a:t>
+              <a:t> </a:t>
             </a:r>
             <a:r>
               <a:rPr lang="en-US" sz="2600" dirty="0"/>
-              <a:t>3311911023</a:t>
+              <a:t>3311911031</a:t>
             </a:r>
             <a:endParaRPr sz="2600" dirty="0"/>
           </a:p>
@@ -11617,7 +11625,7 @@
         </p:nvSpPr>
         <p:spPr>
           <a:xfrm>
-            <a:off x="3276600" y="895350"/>
+            <a:off x="3198812" y="331687"/>
             <a:ext cx="2746375" cy="623100"/>
           </a:xfrm>
           <a:prstGeom prst="rect">
